--- a/APRO2_Etap_I.pptx
+++ b/APRO2_Etap_I.pptx
@@ -6,18 +6,19 @@
   </p:sldMasterIdLst>
   <p:sldIdLst>
     <p:sldId id="256" r:id="rId5"/>
-    <p:sldId id="257" r:id="rId6"/>
-    <p:sldId id="258" r:id="rId7"/>
-    <p:sldId id="270" r:id="rId8"/>
-    <p:sldId id="261" r:id="rId9"/>
-    <p:sldId id="259" r:id="rId10"/>
-    <p:sldId id="260" r:id="rId11"/>
-    <p:sldId id="264" r:id="rId12"/>
-    <p:sldId id="265" r:id="rId13"/>
-    <p:sldId id="263" r:id="rId14"/>
-    <p:sldId id="262" r:id="rId15"/>
-    <p:sldId id="268" r:id="rId16"/>
-    <p:sldId id="266" r:id="rId17"/>
+    <p:sldId id="271" r:id="rId6"/>
+    <p:sldId id="257" r:id="rId7"/>
+    <p:sldId id="258" r:id="rId8"/>
+    <p:sldId id="270" r:id="rId9"/>
+    <p:sldId id="261" r:id="rId10"/>
+    <p:sldId id="259" r:id="rId11"/>
+    <p:sldId id="260" r:id="rId12"/>
+    <p:sldId id="264" r:id="rId13"/>
+    <p:sldId id="265" r:id="rId14"/>
+    <p:sldId id="263" r:id="rId15"/>
+    <p:sldId id="262" r:id="rId16"/>
+    <p:sldId id="268" r:id="rId17"/>
+    <p:sldId id="266" r:id="rId18"/>
   </p:sldIdLst>
   <p:sldSz cx="12192000" cy="6858000"/>
   <p:notesSz cx="6858000" cy="9144000"/>
@@ -127,7 +128,7 @@
 <file path=ppt/revisionInfo.xml><?xml version="1.0" encoding="utf-8"?>
 <p1510:revInfo xmlns:a="http://schemas.openxmlformats.org/drawingml/2006/main" xmlns:r="http://schemas.openxmlformats.org/officeDocument/2006/relationships" xmlns:p1510="http://schemas.microsoft.com/office/powerpoint/2015/10/main">
   <p1510:revLst>
-    <p1510:client id="{C0543D83-56A7-4536-86FB-DBCCAEE89033}" v="546" dt="2023-04-13T14:09:48.576"/>
+    <p1510:client id="{C0543D83-56A7-4536-86FB-DBCCAEE89033}" v="547" dt="2023-04-14T06:32:02.402"/>
   </p1510:revLst>
 </p1510:revInfo>
 </file>
@@ -6880,7 +6881,7 @@
           <a:p>
             <a:fld id="{655A5808-3B61-48CC-92EF-85AC2E0DFA56}" type="datetime2">
               <a:rPr lang="en-US" smtClean="0"/>
-              <a:t>Thursday, April 13, 2023</a:t>
+              <a:t>Friday, April 14, 2023</a:t>
             </a:fld>
             <a:endParaRPr lang="en-US"/>
           </a:p>
@@ -7078,7 +7079,7 @@
           <a:p>
             <a:fld id="{735E98AF-4574-4509-BF7A-519ACD5BF826}" type="datetime2">
               <a:rPr lang="en-US" smtClean="0"/>
-              <a:t>Thursday, April 13, 2023</a:t>
+              <a:t>Friday, April 14, 2023</a:t>
             </a:fld>
             <a:endParaRPr lang="en-US"/>
           </a:p>
@@ -7286,7 +7287,7 @@
           <a:p>
             <a:fld id="{93DD97D4-9636-490F-85D0-E926C2B6F3B1}" type="datetime2">
               <a:rPr lang="en-US" smtClean="0"/>
-              <a:t>Thursday, April 13, 2023</a:t>
+              <a:t>Friday, April 14, 2023</a:t>
             </a:fld>
             <a:endParaRPr lang="en-US"/>
           </a:p>
@@ -7484,7 +7485,7 @@
           <a:p>
             <a:fld id="{2F3AF3C6-0FD4-4939-991C-00DDE5C56815}" type="datetime2">
               <a:rPr lang="en-US" smtClean="0"/>
-              <a:t>Thursday, April 13, 2023</a:t>
+              <a:t>Friday, April 14, 2023</a:t>
             </a:fld>
             <a:endParaRPr lang="en-US"/>
           </a:p>
@@ -7764,7 +7765,7 @@
           <a:p>
             <a:fld id="{86807482-8128-47C6-A8DD-6452B0291CFF}" type="datetime2">
               <a:rPr lang="en-US" smtClean="0"/>
-              <a:t>Thursday, April 13, 2023</a:t>
+              <a:t>Friday, April 14, 2023</a:t>
             </a:fld>
             <a:endParaRPr lang="en-US"/>
           </a:p>
@@ -8029,7 +8030,7 @@
           <a:p>
             <a:fld id="{37903F25-275E-41DE-BE3B-EBF0DB49F9B1}" type="datetime2">
               <a:rPr lang="en-US" smtClean="0"/>
-              <a:t>Thursday, April 13, 2023</a:t>
+              <a:t>Friday, April 14, 2023</a:t>
             </a:fld>
             <a:endParaRPr lang="en-US"/>
           </a:p>
@@ -8408,7 +8409,7 @@
           <a:p>
             <a:fld id="{EE475572-4A44-4171-84AA-64D42C8050A6}" type="datetime2">
               <a:rPr lang="en-US" smtClean="0"/>
-              <a:t>Thursday, April 13, 2023</a:t>
+              <a:t>Friday, April 14, 2023</a:t>
             </a:fld>
             <a:endParaRPr lang="en-US"/>
           </a:p>
@@ -8577,7 +8578,7 @@
           <a:p>
             <a:fld id="{C4C1612E-528E-4FD5-9E9E-E15F1108F171}" type="datetime2">
               <a:rPr lang="en-US" smtClean="0"/>
-              <a:t>Thursday, April 13, 2023</a:t>
+              <a:t>Friday, April 14, 2023</a:t>
             </a:fld>
             <a:endParaRPr lang="en-US"/>
           </a:p>
@@ -8690,7 +8691,7 @@
           <a:p>
             <a:fld id="{D4F6D862-A06D-436F-A92E-EBAAD50B6E50}" type="datetime2">
               <a:rPr lang="en-US" smtClean="0"/>
-              <a:t>Thursday, April 13, 2023</a:t>
+              <a:t>Friday, April 14, 2023</a:t>
             </a:fld>
             <a:endParaRPr lang="en-US"/>
           </a:p>
@@ -9006,7 +9007,7 @@
           <a:p>
             <a:fld id="{B73E0B7D-2260-4809-8F0A-9E5F3E24F169}" type="datetime2">
               <a:rPr lang="en-US" smtClean="0"/>
-              <a:t>Thursday, April 13, 2023</a:t>
+              <a:t>Friday, April 14, 2023</a:t>
             </a:fld>
             <a:endParaRPr lang="en-US"/>
           </a:p>
@@ -9297,7 +9298,7 @@
           <a:p>
             <a:fld id="{3C8E4735-C637-46A3-94EB-AB3AC4188D2F}" type="datetime2">
               <a:rPr lang="en-US" smtClean="0"/>
-              <a:t>Thursday, April 13, 2023</a:t>
+              <a:t>Friday, April 14, 2023</a:t>
             </a:fld>
             <a:endParaRPr lang="en-US"/>
           </a:p>
@@ -9665,7 +9666,7 @@
             <a:fld id="{AE0C963C-C1DB-4AFD-9DDC-0691666BF49B}" type="datetime2">
               <a:rPr lang="en-US" smtClean="0"/>
               <a:pPr/>
-              <a:t>Thursday, April 13, 2023</a:t>
+              <a:t>Friday, April 14, 2023</a:t>
             </a:fld>
             <a:endParaRPr lang="en-US" cap="all"/>
           </a:p>
@@ -10598,7 +10599,7 @@
           <p:cNvPr id="2" name="Tytuł 1">
             <a:extLst>
               <a:ext uri="{FF2B5EF4-FFF2-40B4-BE49-F238E27FC236}">
-                <a16:creationId xmlns:a16="http://schemas.microsoft.com/office/drawing/2014/main" id="{EDFDBE27-2683-74E9-C185-306A2625600B}"/>
+                <a16:creationId xmlns:a16="http://schemas.microsoft.com/office/drawing/2014/main" id="{D75BC6EA-8D3B-070F-81AF-CDDFC5F200BE}"/>
               </a:ext>
             </a:extLst>
           </p:cNvPr>
@@ -10621,7 +10622,7 @@
           <a:p>
             <a:r>
               <a:rPr lang="pl-PL"/>
-              <a:t>Klasa Client</a:t>
+              <a:t>Klasa Protocol</a:t>
             </a:r>
           </a:p>
         </p:txBody>
@@ -10631,7 +10632,7 @@
           <p:cNvPr id="3" name="Symbol zastępczy zawartości 2">
             <a:extLst>
               <a:ext uri="{FF2B5EF4-FFF2-40B4-BE49-F238E27FC236}">
-                <a16:creationId xmlns:a16="http://schemas.microsoft.com/office/drawing/2014/main" id="{04BCC467-2F19-AD1E-2BAB-BD5657FF4DEA}"/>
+                <a16:creationId xmlns:a16="http://schemas.microsoft.com/office/drawing/2014/main" id="{4E79078C-EB9F-D631-35B0-CC2A4DC830E0}"/>
               </a:ext>
             </a:extLst>
           </p:cNvPr>
@@ -10653,12 +10654,9 @@
           <a:lstStyle/>
           <a:p>
             <a:r>
-              <a:rPr lang="pl-PL"/>
-              <a:t>Klient łączący się z serwerem</a:t>
+              <a:rPr lang="pl-PL" dirty="0"/>
+              <a:t>Służy do komunikacji pomiędzy aplikacją a serwerem</a:t>
             </a:r>
-          </a:p>
-          <a:p>
-            <a:endParaRPr lang="pl-PL"/>
           </a:p>
         </p:txBody>
       </p:sp>
@@ -10667,7 +10665,7 @@
           <p:cNvPr id="6" name="Symbol zastępczy zawartości 5" descr="Obraz zawierający tekst&#10;&#10;Opis wygenerowany automatycznie">
             <a:extLst>
               <a:ext uri="{FF2B5EF4-FFF2-40B4-BE49-F238E27FC236}">
-                <a16:creationId xmlns:a16="http://schemas.microsoft.com/office/drawing/2014/main" id="{0D97F272-6072-5221-3FAC-47E7387A8A5A}"/>
+                <a16:creationId xmlns:a16="http://schemas.microsoft.com/office/drawing/2014/main" id="{58FAB945-AB69-AA41-48DE-D68CC922E459}"/>
               </a:ext>
             </a:extLst>
           </p:cNvPr>
@@ -10678,7 +10676,7 @@
             <p:ph sz="half" idx="2"/>
           </p:nvPr>
         </p:nvPicPr>
-        <p:blipFill rotWithShape="1">
+        <p:blipFill>
           <a:blip r:embed="rId2">
             <a:extLst>
               <a:ext uri="{28A0092B-C50C-407E-A947-70E740481C1C}">
@@ -10686,20 +10684,21 @@
               </a:ext>
             </a:extLst>
           </a:blip>
-          <a:srcRect t="935"/>
-          <a:stretch/>
+          <a:stretch>
+            <a:fillRect/>
+          </a:stretch>
         </p:blipFill>
         <p:spPr>
           <a:xfrm>
-            <a:off x="6729768" y="2281084"/>
-            <a:ext cx="4191363" cy="2317687"/>
+            <a:off x="7386419" y="1449387"/>
+            <a:ext cx="3625314" cy="3959225"/>
           </a:xfrm>
         </p:spPr>
       </p:pic>
     </p:spTree>
     <p:extLst>
       <p:ext uri="{BB962C8B-B14F-4D97-AF65-F5344CB8AC3E}">
-        <p14:creationId xmlns:p14="http://schemas.microsoft.com/office/powerpoint/2010/main" val="841500709"/>
+        <p14:creationId xmlns:p14="http://schemas.microsoft.com/office/powerpoint/2010/main" val="9602748"/>
       </p:ext>
     </p:extLst>
   </p:cSld>
@@ -10731,7 +10730,7 @@
           <p:cNvPr id="2" name="Tytuł 1">
             <a:extLst>
               <a:ext uri="{FF2B5EF4-FFF2-40B4-BE49-F238E27FC236}">
-                <a16:creationId xmlns:a16="http://schemas.microsoft.com/office/drawing/2014/main" id="{31111DD5-36AF-E189-6B2F-F4B69A28D2D0}"/>
+                <a16:creationId xmlns:a16="http://schemas.microsoft.com/office/drawing/2014/main" id="{EDFDBE27-2683-74E9-C185-306A2625600B}"/>
               </a:ext>
             </a:extLst>
           </p:cNvPr>
@@ -10753,8 +10752,8 @@
           <a:lstStyle/>
           <a:p>
             <a:r>
-              <a:rPr lang="pl-PL" dirty="0"/>
-              <a:t>Klasa Server</a:t>
+              <a:rPr lang="pl-PL"/>
+              <a:t>Klasa Client</a:t>
             </a:r>
           </a:p>
         </p:txBody>
@@ -10764,7 +10763,7 @@
           <p:cNvPr id="3" name="Symbol zastępczy zawartości 2">
             <a:extLst>
               <a:ext uri="{FF2B5EF4-FFF2-40B4-BE49-F238E27FC236}">
-                <a16:creationId xmlns:a16="http://schemas.microsoft.com/office/drawing/2014/main" id="{6D349060-337A-CE42-DBE4-F09F38E73C15}"/>
+                <a16:creationId xmlns:a16="http://schemas.microsoft.com/office/drawing/2014/main" id="{04BCC467-2F19-AD1E-2BAB-BD5657FF4DEA}"/>
               </a:ext>
             </a:extLst>
           </p:cNvPr>
@@ -10786,9 +10785,12 @@
           <a:lstStyle/>
           <a:p>
             <a:r>
-              <a:rPr lang="pl-PL" dirty="0"/>
-              <a:t>Aplikacja spajająca wszystkie elementy serwera</a:t>
+              <a:rPr lang="pl-PL"/>
+              <a:t>Klient łączący się z serwerem</a:t>
             </a:r>
+          </a:p>
+          <a:p>
+            <a:endParaRPr lang="pl-PL"/>
           </a:p>
         </p:txBody>
       </p:sp>
@@ -10797,7 +10799,7 @@
           <p:cNvPr id="6" name="Symbol zastępczy zawartości 5" descr="Obraz zawierający tekst&#10;&#10;Opis wygenerowany automatycznie">
             <a:extLst>
               <a:ext uri="{FF2B5EF4-FFF2-40B4-BE49-F238E27FC236}">
-                <a16:creationId xmlns:a16="http://schemas.microsoft.com/office/drawing/2014/main" id="{26A6CCDC-8C41-2082-F56D-82ECEFD70B67}"/>
+                <a16:creationId xmlns:a16="http://schemas.microsoft.com/office/drawing/2014/main" id="{0D97F272-6072-5221-3FAC-47E7387A8A5A}"/>
               </a:ext>
             </a:extLst>
           </p:cNvPr>
@@ -10816,56 +10818,20 @@
               </a:ext>
             </a:extLst>
           </a:blip>
-          <a:srcRect t="1385" b="1153"/>
+          <a:srcRect t="935"/>
           <a:stretch/>
         </p:blipFill>
         <p:spPr>
           <a:xfrm>
-            <a:off x="6679967" y="932259"/>
-            <a:ext cx="4762913" cy="3097162"/>
+            <a:off x="6729768" y="2281084"/>
+            <a:ext cx="4191363" cy="2317687"/>
           </a:xfrm>
-        </p:spPr>
-      </p:pic>
-      <p:pic>
-        <p:nvPicPr>
-          <p:cNvPr id="8" name="Obraz 7" descr="Obraz zawierający tekst&#10;&#10;Opis wygenerowany automatycznie">
-            <a:extLst>
-              <a:ext uri="{FF2B5EF4-FFF2-40B4-BE49-F238E27FC236}">
-                <a16:creationId xmlns:a16="http://schemas.microsoft.com/office/drawing/2014/main" id="{7885383E-CC48-917D-C99D-1A249C8B0B1C}"/>
-              </a:ext>
-            </a:extLst>
-          </p:cNvPr>
-          <p:cNvPicPr>
-            <a:picLocks noChangeAspect="1"/>
-          </p:cNvPicPr>
-          <p:nvPr/>
-        </p:nvPicPr>
-        <p:blipFill>
-          <a:blip r:embed="rId3">
-            <a:extLst>
-              <a:ext uri="{28A0092B-C50C-407E-A947-70E740481C1C}">
-                <a14:useLocalDpi xmlns:a14="http://schemas.microsoft.com/office/drawing/2010/main" val="0"/>
-              </a:ext>
-            </a:extLst>
-          </a:blip>
-          <a:stretch>
-            <a:fillRect/>
-          </a:stretch>
-        </p:blipFill>
-        <p:spPr>
-          <a:xfrm>
-            <a:off x="7111651" y="4265170"/>
-            <a:ext cx="3899543" cy="1566210"/>
-          </a:xfrm>
-          <a:prstGeom prst="rect">
-            <a:avLst/>
-          </a:prstGeom>
         </p:spPr>
       </p:pic>
     </p:spTree>
     <p:extLst>
       <p:ext uri="{BB962C8B-B14F-4D97-AF65-F5344CB8AC3E}">
-        <p14:creationId xmlns:p14="http://schemas.microsoft.com/office/powerpoint/2010/main" val="4008644348"/>
+        <p14:creationId xmlns:p14="http://schemas.microsoft.com/office/powerpoint/2010/main" val="841500709"/>
       </p:ext>
     </p:extLst>
   </p:cSld>
@@ -10920,7 +10886,7 @@
           <a:p>
             <a:r>
               <a:rPr lang="pl-PL" dirty="0"/>
-              <a:t>Klasa Database</a:t>
+              <a:t>Klasa Server</a:t>
             </a:r>
           </a:p>
         </p:txBody>
@@ -10953,17 +10919,17 @@
           <a:p>
             <a:r>
               <a:rPr lang="pl-PL" dirty="0"/>
-              <a:t>Obsługuje bazę danych</a:t>
+              <a:t>Aplikacja spajająca wszystkie elementy serwera</a:t>
             </a:r>
           </a:p>
         </p:txBody>
       </p:sp>
       <p:pic>
         <p:nvPicPr>
-          <p:cNvPr id="10" name="Symbol zastępczy zawartości 9" descr="Obraz zawierający tekst&#10;&#10;Opis wygenerowany automatycznie">
+          <p:cNvPr id="6" name="Symbol zastępczy zawartości 5" descr="Obraz zawierający tekst&#10;&#10;Opis wygenerowany automatycznie">
             <a:extLst>
               <a:ext uri="{FF2B5EF4-FFF2-40B4-BE49-F238E27FC236}">
-                <a16:creationId xmlns:a16="http://schemas.microsoft.com/office/drawing/2014/main" id="{7E9CF6E4-A2D1-B3E4-385B-9500D524A06E}"/>
+                <a16:creationId xmlns:a16="http://schemas.microsoft.com/office/drawing/2014/main" id="{26A6CCDC-8C41-2082-F56D-82ECEFD70B67}"/>
               </a:ext>
             </a:extLst>
           </p:cNvPr>
@@ -10974,8 +10940,40 @@
             <p:ph sz="half" idx="2"/>
           </p:nvPr>
         </p:nvPicPr>
+        <p:blipFill rotWithShape="1">
+          <a:blip r:embed="rId2">
+            <a:extLst>
+              <a:ext uri="{28A0092B-C50C-407E-A947-70E740481C1C}">
+                <a14:useLocalDpi xmlns:a14="http://schemas.microsoft.com/office/drawing/2010/main" val="0"/>
+              </a:ext>
+            </a:extLst>
+          </a:blip>
+          <a:srcRect t="1385" b="1153"/>
+          <a:stretch/>
+        </p:blipFill>
+        <p:spPr>
+          <a:xfrm>
+            <a:off x="6679967" y="932259"/>
+            <a:ext cx="4762913" cy="3097162"/>
+          </a:xfrm>
+        </p:spPr>
+      </p:pic>
+      <p:pic>
+        <p:nvPicPr>
+          <p:cNvPr id="8" name="Obraz 7" descr="Obraz zawierający tekst&#10;&#10;Opis wygenerowany automatycznie">
+            <a:extLst>
+              <a:ext uri="{FF2B5EF4-FFF2-40B4-BE49-F238E27FC236}">
+                <a16:creationId xmlns:a16="http://schemas.microsoft.com/office/drawing/2014/main" id="{7885383E-CC48-917D-C99D-1A249C8B0B1C}"/>
+              </a:ext>
+            </a:extLst>
+          </p:cNvPr>
+          <p:cNvPicPr>
+            <a:picLocks noChangeAspect="1"/>
+          </p:cNvPicPr>
+          <p:nvPr/>
+        </p:nvPicPr>
         <p:blipFill>
-          <a:blip r:embed="rId2">
+          <a:blip r:embed="rId3">
             <a:extLst>
               <a:ext uri="{28A0092B-C50C-407E-A947-70E740481C1C}">
                 <a14:useLocalDpi xmlns:a14="http://schemas.microsoft.com/office/drawing/2010/main" val="0"/>
@@ -10988,15 +10986,18 @@
         </p:blipFill>
         <p:spPr>
           <a:xfrm>
-            <a:off x="7214486" y="1449387"/>
-            <a:ext cx="4224820" cy="3959225"/>
+            <a:off x="7111651" y="4265170"/>
+            <a:ext cx="3899543" cy="1566210"/>
           </a:xfrm>
+          <a:prstGeom prst="rect">
+            <a:avLst/>
+          </a:prstGeom>
         </p:spPr>
       </p:pic>
     </p:spTree>
     <p:extLst>
       <p:ext uri="{BB962C8B-B14F-4D97-AF65-F5344CB8AC3E}">
-        <p14:creationId xmlns:p14="http://schemas.microsoft.com/office/powerpoint/2010/main" val="1585582013"/>
+        <p14:creationId xmlns:p14="http://schemas.microsoft.com/office/powerpoint/2010/main" val="4008644348"/>
       </p:ext>
     </p:extLst>
   </p:cSld>
@@ -11050,6 +11051,137 @@
           <a:lstStyle/>
           <a:p>
             <a:r>
+              <a:rPr lang="pl-PL" dirty="0"/>
+              <a:t>Klasa Database</a:t>
+            </a:r>
+          </a:p>
+        </p:txBody>
+      </p:sp>
+      <p:sp>
+        <p:nvSpPr>
+          <p:cNvPr id="3" name="Symbol zastępczy zawartości 2">
+            <a:extLst>
+              <a:ext uri="{FF2B5EF4-FFF2-40B4-BE49-F238E27FC236}">
+                <a16:creationId xmlns:a16="http://schemas.microsoft.com/office/drawing/2014/main" id="{6D349060-337A-CE42-DBE4-F09F38E73C15}"/>
+              </a:ext>
+            </a:extLst>
+          </p:cNvPr>
+          <p:cNvSpPr>
+            <a:spLocks noGrp="1"/>
+          </p:cNvSpPr>
+          <p:nvPr>
+            <p:ph sz="half" idx="1"/>
+          </p:nvPr>
+        </p:nvSpPr>
+        <p:spPr>
+          <a:xfrm>
+            <a:off x="1371600" y="1944000"/>
+            <a:ext cx="4846320" cy="3959352"/>
+          </a:xfrm>
+        </p:spPr>
+        <p:txBody>
+          <a:bodyPr/>
+          <a:lstStyle/>
+          <a:p>
+            <a:r>
+              <a:rPr lang="pl-PL" dirty="0"/>
+              <a:t>Obsługuje bazę danych</a:t>
+            </a:r>
+          </a:p>
+        </p:txBody>
+      </p:sp>
+      <p:pic>
+        <p:nvPicPr>
+          <p:cNvPr id="10" name="Symbol zastępczy zawartości 9" descr="Obraz zawierający tekst&#10;&#10;Opis wygenerowany automatycznie">
+            <a:extLst>
+              <a:ext uri="{FF2B5EF4-FFF2-40B4-BE49-F238E27FC236}">
+                <a16:creationId xmlns:a16="http://schemas.microsoft.com/office/drawing/2014/main" id="{7E9CF6E4-A2D1-B3E4-385B-9500D524A06E}"/>
+              </a:ext>
+            </a:extLst>
+          </p:cNvPr>
+          <p:cNvPicPr>
+            <a:picLocks noGrp="1" noChangeAspect="1"/>
+          </p:cNvPicPr>
+          <p:nvPr>
+            <p:ph sz="half" idx="2"/>
+          </p:nvPr>
+        </p:nvPicPr>
+        <p:blipFill>
+          <a:blip r:embed="rId2">
+            <a:extLst>
+              <a:ext uri="{28A0092B-C50C-407E-A947-70E740481C1C}">
+                <a14:useLocalDpi xmlns:a14="http://schemas.microsoft.com/office/drawing/2010/main" val="0"/>
+              </a:ext>
+            </a:extLst>
+          </a:blip>
+          <a:stretch>
+            <a:fillRect/>
+          </a:stretch>
+        </p:blipFill>
+        <p:spPr>
+          <a:xfrm>
+            <a:off x="7214486" y="1449387"/>
+            <a:ext cx="4224820" cy="3959225"/>
+          </a:xfrm>
+        </p:spPr>
+      </p:pic>
+    </p:spTree>
+    <p:extLst>
+      <p:ext uri="{BB962C8B-B14F-4D97-AF65-F5344CB8AC3E}">
+        <p14:creationId xmlns:p14="http://schemas.microsoft.com/office/powerpoint/2010/main" val="1585582013"/>
+      </p:ext>
+    </p:extLst>
+  </p:cSld>
+  <p:clrMapOvr>
+    <a:masterClrMapping/>
+  </p:clrMapOvr>
+</p:sld>
+</file>
+
+<file path=ppt/slides/slide14.xml><?xml version="1.0" encoding="utf-8"?>
+<p:sld xmlns:a="http://schemas.openxmlformats.org/drawingml/2006/main" xmlns:r="http://schemas.openxmlformats.org/officeDocument/2006/relationships" xmlns:p="http://schemas.openxmlformats.org/presentationml/2006/main">
+  <p:cSld>
+    <p:spTree>
+      <p:nvGrpSpPr>
+        <p:cNvPr id="1" name=""/>
+        <p:cNvGrpSpPr/>
+        <p:nvPr/>
+      </p:nvGrpSpPr>
+      <p:grpSpPr>
+        <a:xfrm>
+          <a:off x="0" y="0"/>
+          <a:ext cx="0" cy="0"/>
+          <a:chOff x="0" y="0"/>
+          <a:chExt cx="0" cy="0"/>
+        </a:xfrm>
+      </p:grpSpPr>
+      <p:sp>
+        <p:nvSpPr>
+          <p:cNvPr id="2" name="Tytuł 1">
+            <a:extLst>
+              <a:ext uri="{FF2B5EF4-FFF2-40B4-BE49-F238E27FC236}">
+                <a16:creationId xmlns:a16="http://schemas.microsoft.com/office/drawing/2014/main" id="{31111DD5-36AF-E189-6B2F-F4B69A28D2D0}"/>
+              </a:ext>
+            </a:extLst>
+          </p:cNvPr>
+          <p:cNvSpPr>
+            <a:spLocks noGrp="1"/>
+          </p:cNvSpPr>
+          <p:nvPr>
+            <p:ph type="title"/>
+          </p:nvPr>
+        </p:nvSpPr>
+        <p:spPr>
+          <a:xfrm>
+            <a:off x="1371600" y="288000"/>
+            <a:ext cx="10241280" cy="1234440"/>
+          </a:xfrm>
+        </p:spPr>
+        <p:txBody>
+          <a:bodyPr/>
+          <a:lstStyle/>
+          <a:p>
+            <a:r>
               <a:rPr lang="pl-PL"/>
               <a:t>Klasa </a:t>
             </a:r>
@@ -11149,6 +11281,109 @@
 </file>
 
 <file path=ppt/slides/slide2.xml><?xml version="1.0" encoding="utf-8"?>
+<p:sld xmlns:a="http://schemas.openxmlformats.org/drawingml/2006/main" xmlns:r="http://schemas.openxmlformats.org/officeDocument/2006/relationships" xmlns:p="http://schemas.openxmlformats.org/presentationml/2006/main">
+  <p:cSld>
+    <p:spTree>
+      <p:nvGrpSpPr>
+        <p:cNvPr id="1" name=""/>
+        <p:cNvGrpSpPr/>
+        <p:nvPr/>
+      </p:nvGrpSpPr>
+      <p:grpSpPr>
+        <a:xfrm>
+          <a:off x="0" y="0"/>
+          <a:ext cx="0" cy="0"/>
+          <a:chOff x="0" y="0"/>
+          <a:chExt cx="0" cy="0"/>
+        </a:xfrm>
+      </p:grpSpPr>
+      <p:sp>
+        <p:nvSpPr>
+          <p:cNvPr id="2" name="Tytuł 1">
+            <a:extLst>
+              <a:ext uri="{FF2B5EF4-FFF2-40B4-BE49-F238E27FC236}">
+                <a16:creationId xmlns:a16="http://schemas.microsoft.com/office/drawing/2014/main" id="{07E24ABB-BA79-806D-7D63-76670C0CBF46}"/>
+              </a:ext>
+            </a:extLst>
+          </p:cNvPr>
+          <p:cNvSpPr>
+            <a:spLocks noGrp="1"/>
+          </p:cNvSpPr>
+          <p:nvPr>
+            <p:ph type="title"/>
+          </p:nvPr>
+        </p:nvSpPr>
+        <p:spPr>
+          <a:xfrm>
+            <a:off x="975360" y="805360"/>
+            <a:ext cx="10241280" cy="1234440"/>
+          </a:xfrm>
+        </p:spPr>
+        <p:txBody>
+          <a:bodyPr/>
+          <a:lstStyle/>
+          <a:p>
+            <a:r>
+              <a:rPr lang="pl-PL" dirty="0"/>
+              <a:t>Rozliczenie </a:t>
+            </a:r>
+            <a:r>
+              <a:rPr lang="pl-PL"/>
+              <a:t>wspólnych wydatków</a:t>
+            </a:r>
+            <a:endParaRPr lang="pl-PL" dirty="0"/>
+          </a:p>
+        </p:txBody>
+      </p:sp>
+      <p:pic>
+        <p:nvPicPr>
+          <p:cNvPr id="10" name="Symbol zastępczy zawartości 9" descr="Obraz zawierający diagram&#10;&#10;Opis wygenerowany automatycznie">
+            <a:extLst>
+              <a:ext uri="{FF2B5EF4-FFF2-40B4-BE49-F238E27FC236}">
+                <a16:creationId xmlns:a16="http://schemas.microsoft.com/office/drawing/2014/main" id="{2D4E4A81-13CA-77BD-FAEB-5BE9EE0B2ABE}"/>
+              </a:ext>
+            </a:extLst>
+          </p:cNvPr>
+          <p:cNvPicPr>
+            <a:picLocks noGrp="1" noChangeAspect="1"/>
+          </p:cNvPicPr>
+          <p:nvPr>
+            <p:ph idx="1"/>
+          </p:nvPr>
+        </p:nvPicPr>
+        <p:blipFill>
+          <a:blip r:embed="rId2">
+            <a:extLst>
+              <a:ext uri="{28A0092B-C50C-407E-A947-70E740481C1C}">
+                <a14:useLocalDpi xmlns:a14="http://schemas.microsoft.com/office/drawing/2010/main" val="0"/>
+              </a:ext>
+            </a:extLst>
+          </a:blip>
+          <a:stretch>
+            <a:fillRect/>
+          </a:stretch>
+        </p:blipFill>
+        <p:spPr>
+          <a:xfrm>
+            <a:off x="1558296" y="2654710"/>
+            <a:ext cx="9075408" cy="2670201"/>
+          </a:xfrm>
+        </p:spPr>
+      </p:pic>
+    </p:spTree>
+    <p:extLst>
+      <p:ext uri="{BB962C8B-B14F-4D97-AF65-F5344CB8AC3E}">
+        <p14:creationId xmlns:p14="http://schemas.microsoft.com/office/powerpoint/2010/main" val="2247092897"/>
+      </p:ext>
+    </p:extLst>
+  </p:cSld>
+  <p:clrMapOvr>
+    <a:masterClrMapping/>
+  </p:clrMapOvr>
+</p:sld>
+</file>
+
+<file path=ppt/slides/slide3.xml><?xml version="1.0" encoding="utf-8"?>
 <p:sld xmlns:a="http://schemas.openxmlformats.org/drawingml/2006/main" xmlns:r="http://schemas.openxmlformats.org/officeDocument/2006/relationships" xmlns:p="http://schemas.openxmlformats.org/presentationml/2006/main">
   <p:cSld>
     <p:bg>
@@ -11932,7 +12167,7 @@
 </p:sld>
 </file>
 
-<file path=ppt/slides/slide3.xml><?xml version="1.0" encoding="utf-8"?>
+<file path=ppt/slides/slide4.xml><?xml version="1.0" encoding="utf-8"?>
 <p:sld xmlns:a="http://schemas.openxmlformats.org/drawingml/2006/main" xmlns:r="http://schemas.openxmlformats.org/officeDocument/2006/relationships" xmlns:p="http://schemas.openxmlformats.org/presentationml/2006/main">
   <p:cSld>
     <p:bg>
@@ -12517,7 +12752,7 @@
 </p:sld>
 </file>
 
-<file path=ppt/slides/slide4.xml><?xml version="1.0" encoding="utf-8"?>
+<file path=ppt/slides/slide5.xml><?xml version="1.0" encoding="utf-8"?>
 <p:sld xmlns:a="http://schemas.openxmlformats.org/drawingml/2006/main" xmlns:r="http://schemas.openxmlformats.org/officeDocument/2006/relationships" xmlns:p="http://schemas.openxmlformats.org/presentationml/2006/main">
   <p:cSld>
     <p:spTree>
@@ -12573,137 +12808,6 @@
     <p:extLst>
       <p:ext uri="{BB962C8B-B14F-4D97-AF65-F5344CB8AC3E}">
         <p14:creationId xmlns:p14="http://schemas.microsoft.com/office/powerpoint/2010/main" val="4094979624"/>
-      </p:ext>
-    </p:extLst>
-  </p:cSld>
-  <p:clrMapOvr>
-    <a:masterClrMapping/>
-  </p:clrMapOvr>
-</p:sld>
-</file>
-
-<file path=ppt/slides/slide5.xml><?xml version="1.0" encoding="utf-8"?>
-<p:sld xmlns:a="http://schemas.openxmlformats.org/drawingml/2006/main" xmlns:r="http://schemas.openxmlformats.org/officeDocument/2006/relationships" xmlns:p="http://schemas.openxmlformats.org/presentationml/2006/main">
-  <p:cSld>
-    <p:spTree>
-      <p:nvGrpSpPr>
-        <p:cNvPr id="1" name=""/>
-        <p:cNvGrpSpPr/>
-        <p:nvPr/>
-      </p:nvGrpSpPr>
-      <p:grpSpPr>
-        <a:xfrm>
-          <a:off x="0" y="0"/>
-          <a:ext cx="0" cy="0"/>
-          <a:chOff x="0" y="0"/>
-          <a:chExt cx="0" cy="0"/>
-        </a:xfrm>
-      </p:grpSpPr>
-      <p:sp>
-        <p:nvSpPr>
-          <p:cNvPr id="2" name="Tytuł 1">
-            <a:extLst>
-              <a:ext uri="{FF2B5EF4-FFF2-40B4-BE49-F238E27FC236}">
-                <a16:creationId xmlns:a16="http://schemas.microsoft.com/office/drawing/2014/main" id="{EA8DF508-4503-6D22-09A1-C89043EFEC43}"/>
-              </a:ext>
-            </a:extLst>
-          </p:cNvPr>
-          <p:cNvSpPr>
-            <a:spLocks noGrp="1"/>
-          </p:cNvSpPr>
-          <p:nvPr>
-            <p:ph type="title"/>
-          </p:nvPr>
-        </p:nvSpPr>
-        <p:spPr>
-          <a:xfrm>
-            <a:off x="1371600" y="288000"/>
-            <a:ext cx="10241280" cy="1234440"/>
-          </a:xfrm>
-        </p:spPr>
-        <p:txBody>
-          <a:bodyPr/>
-          <a:lstStyle/>
-          <a:p>
-            <a:r>
-              <a:rPr lang="pl-PL"/>
-              <a:t>Klasa User </a:t>
-            </a:r>
-          </a:p>
-        </p:txBody>
-      </p:sp>
-      <p:sp>
-        <p:nvSpPr>
-          <p:cNvPr id="3" name="Symbol zastępczy zawartości 2">
-            <a:extLst>
-              <a:ext uri="{FF2B5EF4-FFF2-40B4-BE49-F238E27FC236}">
-                <a16:creationId xmlns:a16="http://schemas.microsoft.com/office/drawing/2014/main" id="{0EBFCD05-3284-7D74-C2FE-46A175205E4A}"/>
-              </a:ext>
-            </a:extLst>
-          </p:cNvPr>
-          <p:cNvSpPr>
-            <a:spLocks noGrp="1"/>
-          </p:cNvSpPr>
-          <p:nvPr>
-            <p:ph sz="half" idx="1"/>
-          </p:nvPr>
-        </p:nvSpPr>
-        <p:spPr>
-          <a:xfrm>
-            <a:off x="1371600" y="1944000"/>
-            <a:ext cx="4846320" cy="3959352"/>
-          </a:xfrm>
-        </p:spPr>
-        <p:txBody>
-          <a:bodyPr/>
-          <a:lstStyle/>
-          <a:p>
-            <a:r>
-              <a:rPr lang="pl-PL"/>
-              <a:t>Przechowuje dane użytkownika </a:t>
-            </a:r>
-          </a:p>
-        </p:txBody>
-      </p:sp>
-      <p:pic>
-        <p:nvPicPr>
-          <p:cNvPr id="6" name="Symbol zastępczy zawartości 5" descr="Obraz zawierający tekst&#10;&#10;Opis wygenerowany automatycznie">
-            <a:extLst>
-              <a:ext uri="{FF2B5EF4-FFF2-40B4-BE49-F238E27FC236}">
-                <a16:creationId xmlns:a16="http://schemas.microsoft.com/office/drawing/2014/main" id="{29532123-7D6F-B1FF-63FA-72813B55364C}"/>
-              </a:ext>
-            </a:extLst>
-          </p:cNvPr>
-          <p:cNvPicPr>
-            <a:picLocks noGrp="1" noChangeAspect="1"/>
-          </p:cNvPicPr>
-          <p:nvPr>
-            <p:ph sz="half" idx="2"/>
-          </p:nvPr>
-        </p:nvPicPr>
-        <p:blipFill>
-          <a:blip r:embed="rId2">
-            <a:extLst>
-              <a:ext uri="{28A0092B-C50C-407E-A947-70E740481C1C}">
-                <a14:useLocalDpi xmlns:a14="http://schemas.microsoft.com/office/drawing/2010/main" val="0"/>
-              </a:ext>
-            </a:extLst>
-          </a:blip>
-          <a:stretch>
-            <a:fillRect/>
-          </a:stretch>
-        </p:blipFill>
-        <p:spPr>
-          <a:xfrm>
-            <a:off x="7141657" y="1626714"/>
-            <a:ext cx="3269263" cy="3604572"/>
-          </a:xfrm>
-        </p:spPr>
-      </p:pic>
-    </p:spTree>
-    <p:extLst>
-      <p:ext uri="{BB962C8B-B14F-4D97-AF65-F5344CB8AC3E}">
-        <p14:creationId xmlns:p14="http://schemas.microsoft.com/office/powerpoint/2010/main" val="727738717"/>
       </p:ext>
     </p:extLst>
   </p:cSld>
@@ -12735,7 +12839,7 @@
           <p:cNvPr id="2" name="Tytuł 1">
             <a:extLst>
               <a:ext uri="{FF2B5EF4-FFF2-40B4-BE49-F238E27FC236}">
-                <a16:creationId xmlns:a16="http://schemas.microsoft.com/office/drawing/2014/main" id="{6E60D7C9-3BDD-547A-AD04-022D891C6B16}"/>
+                <a16:creationId xmlns:a16="http://schemas.microsoft.com/office/drawing/2014/main" id="{EA8DF508-4503-6D22-09A1-C89043EFEC43}"/>
               </a:ext>
             </a:extLst>
           </p:cNvPr>
@@ -12758,13 +12862,8 @@
           <a:p>
             <a:r>
               <a:rPr lang="pl-PL"/>
-              <a:t>Klasa </a:t>
+              <a:t>Klasa User </a:t>
             </a:r>
-            <a:r>
-              <a:rPr lang="pl-PL" err="1"/>
-              <a:t>Transaction</a:t>
-            </a:r>
-            <a:endParaRPr lang="pl-PL"/>
           </a:p>
         </p:txBody>
       </p:sp>
@@ -12773,7 +12872,7 @@
           <p:cNvPr id="3" name="Symbol zastępczy zawartości 2">
             <a:extLst>
               <a:ext uri="{FF2B5EF4-FFF2-40B4-BE49-F238E27FC236}">
-                <a16:creationId xmlns:a16="http://schemas.microsoft.com/office/drawing/2014/main" id="{86E5E67C-7F53-1AA9-E081-3FE46E565CB2}"/>
+                <a16:creationId xmlns:a16="http://schemas.microsoft.com/office/drawing/2014/main" id="{0EBFCD05-3284-7D74-C2FE-46A175205E4A}"/>
               </a:ext>
             </a:extLst>
           </p:cNvPr>
@@ -12796,11 +12895,8 @@
           <a:p>
             <a:r>
               <a:rPr lang="pl-PL"/>
-              <a:t>Zawiera wykonaną transakcję</a:t>
+              <a:t>Przechowuje dane użytkownika </a:t>
             </a:r>
-          </a:p>
-          <a:p>
-            <a:endParaRPr lang="pl-PL"/>
           </a:p>
         </p:txBody>
       </p:sp>
@@ -12809,7 +12905,7 @@
           <p:cNvPr id="6" name="Symbol zastępczy zawartości 5" descr="Obraz zawierający tekst&#10;&#10;Opis wygenerowany automatycznie">
             <a:extLst>
               <a:ext uri="{FF2B5EF4-FFF2-40B4-BE49-F238E27FC236}">
-                <a16:creationId xmlns:a16="http://schemas.microsoft.com/office/drawing/2014/main" id="{3BE5679E-1862-FC56-841C-199C1187128B}"/>
+                <a16:creationId xmlns:a16="http://schemas.microsoft.com/office/drawing/2014/main" id="{29532123-7D6F-B1FF-63FA-72813B55364C}"/>
               </a:ext>
             </a:extLst>
           </p:cNvPr>
@@ -12834,15 +12930,15 @@
         </p:blipFill>
         <p:spPr>
           <a:xfrm>
-            <a:off x="6963243" y="1787371"/>
-            <a:ext cx="4530660" cy="3959225"/>
+            <a:off x="7141657" y="1626714"/>
+            <a:ext cx="3269263" cy="3604572"/>
           </a:xfrm>
         </p:spPr>
       </p:pic>
     </p:spTree>
     <p:extLst>
       <p:ext uri="{BB962C8B-B14F-4D97-AF65-F5344CB8AC3E}">
-        <p14:creationId xmlns:p14="http://schemas.microsoft.com/office/powerpoint/2010/main" val="3215504712"/>
+        <p14:creationId xmlns:p14="http://schemas.microsoft.com/office/powerpoint/2010/main" val="727738717"/>
       </p:ext>
     </p:extLst>
   </p:cSld>
@@ -12874,7 +12970,7 @@
           <p:cNvPr id="2" name="Tytuł 1">
             <a:extLst>
               <a:ext uri="{FF2B5EF4-FFF2-40B4-BE49-F238E27FC236}">
-                <a16:creationId xmlns:a16="http://schemas.microsoft.com/office/drawing/2014/main" id="{254650D1-A00C-6C90-A84B-CE02ED8819C0}"/>
+                <a16:creationId xmlns:a16="http://schemas.microsoft.com/office/drawing/2014/main" id="{6E60D7C9-3BDD-547A-AD04-022D891C6B16}"/>
               </a:ext>
             </a:extLst>
           </p:cNvPr>
@@ -12901,7 +12997,7 @@
             </a:r>
             <a:r>
               <a:rPr lang="pl-PL" err="1"/>
-              <a:t>TransactionGraph</a:t>
+              <a:t>Transaction</a:t>
             </a:r>
             <a:endParaRPr lang="pl-PL"/>
           </a:p>
@@ -12912,7 +13008,7 @@
           <p:cNvPr id="3" name="Symbol zastępczy zawartości 2">
             <a:extLst>
               <a:ext uri="{FF2B5EF4-FFF2-40B4-BE49-F238E27FC236}">
-                <a16:creationId xmlns:a16="http://schemas.microsoft.com/office/drawing/2014/main" id="{4FA45F24-1E68-4676-9200-B257E3C302AD}"/>
+                <a16:creationId xmlns:a16="http://schemas.microsoft.com/office/drawing/2014/main" id="{86E5E67C-7F53-1AA9-E081-3FE46E565CB2}"/>
               </a:ext>
             </a:extLst>
           </p:cNvPr>
@@ -12935,24 +13031,11 @@
           <a:p>
             <a:r>
               <a:rPr lang="pl-PL"/>
-              <a:t>Przechowuje graf wszystkich transakcji</a:t>
+              <a:t>Zawiera wykonaną transakcję</a:t>
             </a:r>
           </a:p>
           <a:p>
-            <a:r>
-              <a:rPr lang="pl-PL"/>
-              <a:t>Upraszcza graf</a:t>
-            </a:r>
-          </a:p>
-          <a:p>
-            <a:r>
-              <a:rPr lang="pl-PL" err="1"/>
-              <a:t>Konstuktor</a:t>
-            </a:r>
-            <a:r>
-              <a:rPr lang="pl-PL"/>
-              <a:t> – tworzenie wierzchołków</a:t>
-            </a:r>
+            <a:endParaRPr lang="pl-PL"/>
           </a:p>
         </p:txBody>
       </p:sp>
@@ -12961,7 +13044,7 @@
           <p:cNvPr id="6" name="Symbol zastępczy zawartości 5" descr="Obraz zawierający tekst&#10;&#10;Opis wygenerowany automatycznie">
             <a:extLst>
               <a:ext uri="{FF2B5EF4-FFF2-40B4-BE49-F238E27FC236}">
-                <a16:creationId xmlns:a16="http://schemas.microsoft.com/office/drawing/2014/main" id="{8C0E6F7D-BFC3-FF97-4D75-CA8434436D85}"/>
+                <a16:creationId xmlns:a16="http://schemas.microsoft.com/office/drawing/2014/main" id="{3BE5679E-1862-FC56-841C-199C1187128B}"/>
               </a:ext>
             </a:extLst>
           </p:cNvPr>
@@ -12986,15 +13069,15 @@
         </p:blipFill>
         <p:spPr>
           <a:xfrm>
-            <a:off x="6766242" y="2361335"/>
-            <a:ext cx="4846638" cy="2135330"/>
+            <a:off x="6963243" y="1787371"/>
+            <a:ext cx="4530660" cy="3959225"/>
           </a:xfrm>
         </p:spPr>
       </p:pic>
     </p:spTree>
     <p:extLst>
       <p:ext uri="{BB962C8B-B14F-4D97-AF65-F5344CB8AC3E}">
-        <p14:creationId xmlns:p14="http://schemas.microsoft.com/office/powerpoint/2010/main" val="3522576447"/>
+        <p14:creationId xmlns:p14="http://schemas.microsoft.com/office/powerpoint/2010/main" val="3215504712"/>
       </p:ext>
     </p:extLst>
   </p:cSld>
@@ -13026,7 +13109,7 @@
           <p:cNvPr id="2" name="Tytuł 1">
             <a:extLst>
               <a:ext uri="{FF2B5EF4-FFF2-40B4-BE49-F238E27FC236}">
-                <a16:creationId xmlns:a16="http://schemas.microsoft.com/office/drawing/2014/main" id="{D75BC6EA-8D3B-070F-81AF-CDDFC5F200BE}"/>
+                <a16:creationId xmlns:a16="http://schemas.microsoft.com/office/drawing/2014/main" id="{254650D1-A00C-6C90-A84B-CE02ED8819C0}"/>
               </a:ext>
             </a:extLst>
           </p:cNvPr>
@@ -13053,7 +13136,7 @@
             </a:r>
             <a:r>
               <a:rPr lang="pl-PL" err="1"/>
-              <a:t>TransactionReader</a:t>
+              <a:t>TransactionGraph</a:t>
             </a:r>
             <a:endParaRPr lang="pl-PL"/>
           </a:p>
@@ -13064,7 +13147,7 @@
           <p:cNvPr id="3" name="Symbol zastępczy zawartości 2">
             <a:extLst>
               <a:ext uri="{FF2B5EF4-FFF2-40B4-BE49-F238E27FC236}">
-                <a16:creationId xmlns:a16="http://schemas.microsoft.com/office/drawing/2014/main" id="{4E79078C-EB9F-D631-35B0-CC2A4DC830E0}"/>
+                <a16:creationId xmlns:a16="http://schemas.microsoft.com/office/drawing/2014/main" id="{4FA45F24-1E68-4676-9200-B257E3C302AD}"/>
               </a:ext>
             </a:extLst>
           </p:cNvPr>
@@ -13086,14 +13169,24 @@
           <a:lstStyle/>
           <a:p>
             <a:r>
-              <a:rPr lang="pl-PL" dirty="0"/>
-              <a:t>Odczytuje transakcje z pliku</a:t>
+              <a:rPr lang="pl-PL"/>
+              <a:t>Przechowuje graf wszystkich transakcji</a:t>
             </a:r>
           </a:p>
           <a:p>
             <a:r>
-              <a:rPr lang="pl-PL" dirty="0"/>
-              <a:t>Zapisuje transakcje do pliku</a:t>
+              <a:rPr lang="pl-PL"/>
+              <a:t>Upraszcza graf</a:t>
+            </a:r>
+          </a:p>
+          <a:p>
+            <a:r>
+              <a:rPr lang="pl-PL" err="1"/>
+              <a:t>Konstuktor</a:t>
+            </a:r>
+            <a:r>
+              <a:rPr lang="pl-PL"/>
+              <a:t> – tworzenie wierzchołków</a:t>
             </a:r>
           </a:p>
         </p:txBody>
@@ -13103,7 +13196,7 @@
           <p:cNvPr id="6" name="Symbol zastępczy zawartości 5" descr="Obraz zawierający tekst&#10;&#10;Opis wygenerowany automatycznie">
             <a:extLst>
               <a:ext uri="{FF2B5EF4-FFF2-40B4-BE49-F238E27FC236}">
-                <a16:creationId xmlns:a16="http://schemas.microsoft.com/office/drawing/2014/main" id="{A8D2A5E7-65E1-32D8-FA94-CEC22F337C87}"/>
+                <a16:creationId xmlns:a16="http://schemas.microsoft.com/office/drawing/2014/main" id="{8C0E6F7D-BFC3-FF97-4D75-CA8434436D85}"/>
               </a:ext>
             </a:extLst>
           </p:cNvPr>
@@ -13128,15 +13221,15 @@
         </p:blipFill>
         <p:spPr>
           <a:xfrm>
-            <a:off x="6492240" y="2646769"/>
-            <a:ext cx="4846638" cy="1564461"/>
+            <a:off x="6766242" y="2361335"/>
+            <a:ext cx="4846638" cy="2135330"/>
           </a:xfrm>
         </p:spPr>
       </p:pic>
     </p:spTree>
     <p:extLst>
       <p:ext uri="{BB962C8B-B14F-4D97-AF65-F5344CB8AC3E}">
-        <p14:creationId xmlns:p14="http://schemas.microsoft.com/office/powerpoint/2010/main" val="1476497825"/>
+        <p14:creationId xmlns:p14="http://schemas.microsoft.com/office/powerpoint/2010/main" val="3522576447"/>
       </p:ext>
     </p:extLst>
   </p:cSld>
@@ -13191,8 +13284,13 @@
           <a:p>
             <a:r>
               <a:rPr lang="pl-PL"/>
-              <a:t>Klasa Protocol</a:t>
+              <a:t>Klasa </a:t>
             </a:r>
+            <a:r>
+              <a:rPr lang="pl-PL" err="1"/>
+              <a:t>TransactionReader</a:t>
+            </a:r>
+            <a:endParaRPr lang="pl-PL"/>
           </a:p>
         </p:txBody>
       </p:sp>
@@ -13224,7 +13322,13 @@
           <a:p>
             <a:r>
               <a:rPr lang="pl-PL" dirty="0"/>
-              <a:t>Służy do komunikacji pomiędzy aplikacją a serwerem</a:t>
+              <a:t>Odczytuje transakcje z pliku</a:t>
+            </a:r>
+          </a:p>
+          <a:p>
+            <a:r>
+              <a:rPr lang="pl-PL" dirty="0"/>
+              <a:t>Zapisuje transakcje do pliku</a:t>
             </a:r>
           </a:p>
         </p:txBody>
@@ -13234,7 +13338,7 @@
           <p:cNvPr id="6" name="Symbol zastępczy zawartości 5" descr="Obraz zawierający tekst&#10;&#10;Opis wygenerowany automatycznie">
             <a:extLst>
               <a:ext uri="{FF2B5EF4-FFF2-40B4-BE49-F238E27FC236}">
-                <a16:creationId xmlns:a16="http://schemas.microsoft.com/office/drawing/2014/main" id="{58FAB945-AB69-AA41-48DE-D68CC922E459}"/>
+                <a16:creationId xmlns:a16="http://schemas.microsoft.com/office/drawing/2014/main" id="{A8D2A5E7-65E1-32D8-FA94-CEC22F337C87}"/>
               </a:ext>
             </a:extLst>
           </p:cNvPr>
@@ -13259,15 +13363,15 @@
         </p:blipFill>
         <p:spPr>
           <a:xfrm>
-            <a:off x="7386419" y="1449387"/>
-            <a:ext cx="3625314" cy="3959225"/>
+            <a:off x="6492240" y="2646769"/>
+            <a:ext cx="4846638" cy="1564461"/>
           </a:xfrm>
         </p:spPr>
       </p:pic>
     </p:spTree>
     <p:extLst>
       <p:ext uri="{BB962C8B-B14F-4D97-AF65-F5344CB8AC3E}">
-        <p14:creationId xmlns:p14="http://schemas.microsoft.com/office/powerpoint/2010/main" val="9602748"/>
+        <p14:creationId xmlns:p14="http://schemas.microsoft.com/office/powerpoint/2010/main" val="1476497825"/>
       </p:ext>
     </p:extLst>
   </p:cSld>
@@ -13479,6 +13583,23 @@
 </file>
 
 <file path=customXml/item1.xml><?xml version="1.0" encoding="utf-8"?>
+<p:properties xmlns:p="http://schemas.microsoft.com/office/2006/metadata/properties" xmlns:xsi="http://www.w3.org/2001/XMLSchema-instance" xmlns:pc="http://schemas.microsoft.com/office/infopath/2007/PartnerControls">
+  <documentManagement>
+    <_activity xmlns="15432406-be97-44f7-becd-f8e043eb0c09" xsi:nil="true"/>
+  </documentManagement>
+</p:properties>
+</file>
+
+<file path=customXml/item2.xml><?xml version="1.0" encoding="utf-8"?>
+<?mso-contentType ?>
+<FormTemplates xmlns="http://schemas.microsoft.com/sharepoint/v3/contenttype/forms">
+  <Display>DocumentLibraryForm</Display>
+  <Edit>DocumentLibraryForm</Edit>
+  <New>DocumentLibraryForm</New>
+</FormTemplates>
+</file>
+
+<file path=customXml/item3.xml><?xml version="1.0" encoding="utf-8"?>
 <ct:contentTypeSchema xmlns:ct="http://schemas.microsoft.com/office/2006/metadata/contentType" xmlns:ma="http://schemas.microsoft.com/office/2006/metadata/properties/metaAttributes" ct:_="" ma:_="" ma:contentTypeName="Dokument" ma:contentTypeID="0x01010030DE6D77184CE64BB7269C2493AED7B3" ma:contentTypeVersion="10" ma:contentTypeDescription="Utwórz nowy dokument." ma:contentTypeScope="" ma:versionID="2654644efc03e31ee7334d7d142e800e">
   <xsd:schema xmlns:xsd="http://www.w3.org/2001/XMLSchema" xmlns:xs="http://www.w3.org/2001/XMLSchema" xmlns:p="http://schemas.microsoft.com/office/2006/metadata/properties" xmlns:ns3="15432406-be97-44f7-becd-f8e043eb0c09" xmlns:ns4="9179d685-b51c-499b-98ee-fbc6156c4955" targetNamespace="http://schemas.microsoft.com/office/2006/metadata/properties" ma:root="true" ma:fieldsID="bdb63fbdcfd9c845bd2978aae66dcf3a" ns3:_="" ns4:_="">
     <xsd:import namespace="15432406-be97-44f7-becd-f8e043eb0c09"/>
@@ -13681,24 +13802,32 @@
 </ct:contentTypeSchema>
 </file>
 
-<file path=customXml/item2.xml><?xml version="1.0" encoding="utf-8"?>
-<p:properties xmlns:p="http://schemas.microsoft.com/office/2006/metadata/properties" xmlns:xsi="http://www.w3.org/2001/XMLSchema-instance" xmlns:pc="http://schemas.microsoft.com/office/infopath/2007/PartnerControls">
-  <documentManagement>
-    <_activity xmlns="15432406-be97-44f7-becd-f8e043eb0c09" xsi:nil="true"/>
-  </documentManagement>
-</p:properties>
+<file path=customXml/itemProps1.xml><?xml version="1.0" encoding="utf-8"?>
+<ds:datastoreItem xmlns:ds="http://schemas.openxmlformats.org/officeDocument/2006/customXml" ds:itemID="{7F0E61FE-9B9E-4C38-899E-B7B03B69EA37}">
+  <ds:schemaRefs>
+    <ds:schemaRef ds:uri="http://schemas.microsoft.com/office/2006/metadata/properties"/>
+    <ds:schemaRef ds:uri="9179d685-b51c-499b-98ee-fbc6156c4955"/>
+    <ds:schemaRef ds:uri="15432406-be97-44f7-becd-f8e043eb0c09"/>
+    <ds:schemaRef ds:uri="http://purl.org/dc/elements/1.1/"/>
+    <ds:schemaRef ds:uri="http://purl.org/dc/dcmitype/"/>
+    <ds:schemaRef ds:uri="http://schemas.openxmlformats.org/package/2006/metadata/core-properties"/>
+    <ds:schemaRef ds:uri="http://www.w3.org/XML/1998/namespace"/>
+    <ds:schemaRef ds:uri="http://schemas.microsoft.com/office/2006/documentManagement/types"/>
+    <ds:schemaRef ds:uri="http://schemas.microsoft.com/office/infopath/2007/PartnerControls"/>
+    <ds:schemaRef ds:uri="http://purl.org/dc/terms/"/>
+  </ds:schemaRefs>
+</ds:datastoreItem>
 </file>
 
-<file path=customXml/item3.xml><?xml version="1.0" encoding="utf-8"?>
-<?mso-contentType ?>
-<FormTemplates xmlns="http://schemas.microsoft.com/sharepoint/v3/contenttype/forms">
-  <Display>DocumentLibraryForm</Display>
-  <Edit>DocumentLibraryForm</Edit>
-  <New>DocumentLibraryForm</New>
-</FormTemplates>
+<file path=customXml/itemProps2.xml><?xml version="1.0" encoding="utf-8"?>
+<ds:datastoreItem xmlns:ds="http://schemas.openxmlformats.org/officeDocument/2006/customXml" ds:itemID="{16EEB415-E428-4887-92BD-4B8080202D05}">
+  <ds:schemaRefs>
+    <ds:schemaRef ds:uri="http://schemas.microsoft.com/sharepoint/v3/contenttype/forms"/>
+  </ds:schemaRefs>
+</ds:datastoreItem>
 </file>
 
-<file path=customXml/itemProps1.xml><?xml version="1.0" encoding="utf-8"?>
+<file path=customXml/itemProps3.xml><?xml version="1.0" encoding="utf-8"?>
 <ds:datastoreItem xmlns:ds="http://schemas.openxmlformats.org/officeDocument/2006/customXml" ds:itemID="{C9AD1CCB-468D-4ECF-BB3A-1BA79E15F7D8}">
   <ds:schemaRefs>
     <ds:schemaRef ds:uri="15432406-be97-44f7-becd-f8e043eb0c09"/>
@@ -13715,29 +13844,4 @@
     <ds:schemaRef ds:uri="http://www.w3.org/2001/XMLSchema"/>
   </ds:schemaRefs>
 </ds:datastoreItem>
-</file>
-
-<file path=customXml/itemProps2.xml><?xml version="1.0" encoding="utf-8"?>
-<ds:datastoreItem xmlns:ds="http://schemas.openxmlformats.org/officeDocument/2006/customXml" ds:itemID="{7F0E61FE-9B9E-4C38-899E-B7B03B69EA37}">
-  <ds:schemaRefs>
-    <ds:schemaRef ds:uri="15432406-be97-44f7-becd-f8e043eb0c09"/>
-    <ds:schemaRef ds:uri="http://schemas.microsoft.com/office/2006/metadata/properties"/>
-    <ds:schemaRef ds:uri="http://purl.org/dc/dcmitype/"/>
-    <ds:schemaRef ds:uri="9179d685-b51c-499b-98ee-fbc6156c4955"/>
-    <ds:schemaRef ds:uri="http://www.w3.org/XML/1998/namespace"/>
-    <ds:schemaRef ds:uri="http://schemas.microsoft.com/office/2006/documentManagement/types"/>
-    <ds:schemaRef ds:uri="http://schemas.openxmlformats.org/package/2006/metadata/core-properties"/>
-    <ds:schemaRef ds:uri="http://purl.org/dc/elements/1.1/"/>
-    <ds:schemaRef ds:uri="http://schemas.microsoft.com/office/infopath/2007/PartnerControls"/>
-    <ds:schemaRef ds:uri="http://purl.org/dc/terms/"/>
-  </ds:schemaRefs>
-</ds:datastoreItem>
-</file>
-
-<file path=customXml/itemProps3.xml><?xml version="1.0" encoding="utf-8"?>
-<ds:datastoreItem xmlns:ds="http://schemas.openxmlformats.org/officeDocument/2006/customXml" ds:itemID="{16EEB415-E428-4887-92BD-4B8080202D05}">
-  <ds:schemaRefs>
-    <ds:schemaRef ds:uri="http://schemas.microsoft.com/sharepoint/v3/contenttype/forms"/>
-  </ds:schemaRefs>
-</ds:datastoreItem>
 </file>